--- a/Презентация.pptx
+++ b/Презентация.pptx
@@ -144,7 +144,7 @@
   <pc:docChgLst>
     <pc:chgData name="Александр Кулагин" userId="0c5fdc8e974bdd38" providerId="LiveId" clId="{C6D04515-DF06-42AB-ABF9-B70DE87F5D1B}"/>
     <pc:docChg chg="undo redo custSel addSld delSld modSld">
-      <pc:chgData name="Александр Кулагин" userId="0c5fdc8e974bdd38" providerId="LiveId" clId="{C6D04515-DF06-42AB-ABF9-B70DE87F5D1B}" dt="2025-05-02T10:45:43.064" v="475" actId="1076"/>
+      <pc:chgData name="Александр Кулагин" userId="0c5fdc8e974bdd38" providerId="LiveId" clId="{C6D04515-DF06-42AB-ABF9-B70DE87F5D1B}" dt="2025-05-13T19:13:37.179" v="919" actId="1036"/>
       <pc:docMkLst>
         <pc:docMk/>
       </pc:docMkLst>
@@ -224,14 +224,29 @@
           </ac:spMkLst>
         </pc:spChg>
       </pc:sldChg>
+      <pc:sldChg chg="modSp mod">
+        <pc:chgData name="Александр Кулагин" userId="0c5fdc8e974bdd38" providerId="LiveId" clId="{C6D04515-DF06-42AB-ABF9-B70DE87F5D1B}" dt="2025-05-13T10:09:27.867" v="788" actId="14100"/>
+        <pc:sldMkLst>
+          <pc:docMk/>
+          <pc:sldMk cId="0" sldId="261"/>
+        </pc:sldMkLst>
+        <pc:spChg chg="mod">
+          <ac:chgData name="Александр Кулагин" userId="0c5fdc8e974bdd38" providerId="LiveId" clId="{C6D04515-DF06-42AB-ABF9-B70DE87F5D1B}" dt="2025-05-13T10:09:27.867" v="788" actId="14100"/>
+          <ac:spMkLst>
+            <pc:docMk/>
+            <pc:sldMk cId="0" sldId="261"/>
+            <ac:spMk id="2" creationId="{00000000-0000-0000-0000-000000000000}"/>
+          </ac:spMkLst>
+        </pc:spChg>
+      </pc:sldChg>
       <pc:sldChg chg="addSp delSp modSp mod">
-        <pc:chgData name="Александр Кулагин" userId="0c5fdc8e974bdd38" providerId="LiveId" clId="{C6D04515-DF06-42AB-ABF9-B70DE87F5D1B}" dt="2025-05-01T18:11:22.863" v="277" actId="1036"/>
+        <pc:chgData name="Александр Кулагин" userId="0c5fdc8e974bdd38" providerId="LiveId" clId="{C6D04515-DF06-42AB-ABF9-B70DE87F5D1B}" dt="2025-05-13T10:09:49.381" v="793" actId="27636"/>
         <pc:sldMkLst>
           <pc:docMk/>
           <pc:sldMk cId="0" sldId="262"/>
         </pc:sldMkLst>
         <pc:spChg chg="mod">
-          <ac:chgData name="Александр Кулагин" userId="0c5fdc8e974bdd38" providerId="LiveId" clId="{C6D04515-DF06-42AB-ABF9-B70DE87F5D1B}" dt="2025-04-30T20:22:27.839" v="79" actId="27636"/>
+          <ac:chgData name="Александр Кулагин" userId="0c5fdc8e974bdd38" providerId="LiveId" clId="{C6D04515-DF06-42AB-ABF9-B70DE87F5D1B}" dt="2025-05-13T10:09:49.381" v="793" actId="27636"/>
           <ac:spMkLst>
             <pc:docMk/>
             <pc:sldMk cId="0" sldId="262"/>
@@ -280,13 +295,13 @@
         </pc:picChg>
       </pc:sldChg>
       <pc:sldChg chg="addSp delSp modSp mod">
-        <pc:chgData name="Александр Кулагин" userId="0c5fdc8e974bdd38" providerId="LiveId" clId="{C6D04515-DF06-42AB-ABF9-B70DE87F5D1B}" dt="2025-05-02T07:11:33.873" v="367" actId="1036"/>
+        <pc:chgData name="Александр Кулагин" userId="0c5fdc8e974bdd38" providerId="LiveId" clId="{C6D04515-DF06-42AB-ABF9-B70DE87F5D1B}" dt="2025-05-13T10:10:10.927" v="796" actId="14100"/>
         <pc:sldMkLst>
           <pc:docMk/>
           <pc:sldMk cId="0" sldId="263"/>
         </pc:sldMkLst>
         <pc:spChg chg="mod">
-          <ac:chgData name="Александр Кулагин" userId="0c5fdc8e974bdd38" providerId="LiveId" clId="{C6D04515-DF06-42AB-ABF9-B70DE87F5D1B}" dt="2025-05-01T12:34:19.191" v="242" actId="27636"/>
+          <ac:chgData name="Александр Кулагин" userId="0c5fdc8e974bdd38" providerId="LiveId" clId="{C6D04515-DF06-42AB-ABF9-B70DE87F5D1B}" dt="2025-05-13T10:10:10.927" v="796" actId="14100"/>
           <ac:spMkLst>
             <pc:docMk/>
             <pc:sldMk cId="0" sldId="263"/>
@@ -327,13 +342,13 @@
         </pc:picChg>
       </pc:sldChg>
       <pc:sldChg chg="addSp delSp modSp mod">
-        <pc:chgData name="Александр Кулагин" userId="0c5fdc8e974bdd38" providerId="LiveId" clId="{C6D04515-DF06-42AB-ABF9-B70DE87F5D1B}" dt="2025-05-01T19:44:46.329" v="315" actId="1035"/>
+        <pc:chgData name="Александр Кулагин" userId="0c5fdc8e974bdd38" providerId="LiveId" clId="{C6D04515-DF06-42AB-ABF9-B70DE87F5D1B}" dt="2025-05-13T10:10:03.559" v="795" actId="14100"/>
         <pc:sldMkLst>
           <pc:docMk/>
           <pc:sldMk cId="0" sldId="264"/>
         </pc:sldMkLst>
         <pc:spChg chg="mod">
-          <ac:chgData name="Александр Кулагин" userId="0c5fdc8e974bdd38" providerId="LiveId" clId="{C6D04515-DF06-42AB-ABF9-B70DE87F5D1B}" dt="2025-05-01T19:34:44.322" v="287" actId="27636"/>
+          <ac:chgData name="Александр Кулагин" userId="0c5fdc8e974bdd38" providerId="LiveId" clId="{C6D04515-DF06-42AB-ABF9-B70DE87F5D1B}" dt="2025-05-13T10:10:03.559" v="795" actId="14100"/>
           <ac:spMkLst>
             <pc:docMk/>
             <pc:sldMk cId="0" sldId="264"/>
@@ -413,13 +428,13 @@
         </pc:picChg>
       </pc:sldChg>
       <pc:sldChg chg="addSp delSp modSp mod">
-        <pc:chgData name="Александр Кулагин" userId="0c5fdc8e974bdd38" providerId="LiveId" clId="{C6D04515-DF06-42AB-ABF9-B70DE87F5D1B}" dt="2025-05-02T10:45:43.064" v="475" actId="1076"/>
+        <pc:chgData name="Александр Кулагин" userId="0c5fdc8e974bdd38" providerId="LiveId" clId="{C6D04515-DF06-42AB-ABF9-B70DE87F5D1B}" dt="2025-05-13T10:10:22.148" v="798" actId="14100"/>
         <pc:sldMkLst>
           <pc:docMk/>
           <pc:sldMk cId="0" sldId="266"/>
         </pc:sldMkLst>
         <pc:spChg chg="mod">
-          <ac:chgData name="Александр Кулагин" userId="0c5fdc8e974bdd38" providerId="LiveId" clId="{C6D04515-DF06-42AB-ABF9-B70DE87F5D1B}" dt="2025-05-02T10:34:56.923" v="453" actId="27636"/>
+          <ac:chgData name="Александр Кулагин" userId="0c5fdc8e974bdd38" providerId="LiveId" clId="{C6D04515-DF06-42AB-ABF9-B70DE87F5D1B}" dt="2025-05-13T10:10:22.148" v="798" actId="14100"/>
           <ac:spMkLst>
             <pc:docMk/>
             <pc:sldMk cId="0" sldId="266"/>
@@ -489,29 +504,77 @@
           <pc:sldMk cId="0" sldId="268"/>
         </pc:sldMkLst>
       </pc:sldChg>
-      <pc:sldChg chg="modSp mod">
-        <pc:chgData name="Александр Кулагин" userId="0c5fdc8e974bdd38" providerId="LiveId" clId="{C6D04515-DF06-42AB-ABF9-B70DE87F5D1B}" dt="2025-05-01T08:12:09.254" v="156" actId="20577"/>
+      <pc:sldChg chg="addSp delSp modSp mod">
+        <pc:chgData name="Александр Кулагин" userId="0c5fdc8e974bdd38" providerId="LiveId" clId="{C6D04515-DF06-42AB-ABF9-B70DE87F5D1B}" dt="2025-05-13T19:13:37.179" v="919" actId="1036"/>
         <pc:sldMkLst>
           <pc:docMk/>
           <pc:sldMk cId="0" sldId="269"/>
         </pc:sldMkLst>
         <pc:spChg chg="mod">
-          <ac:chgData name="Александр Кулагин" userId="0c5fdc8e974bdd38" providerId="LiveId" clId="{C6D04515-DF06-42AB-ABF9-B70DE87F5D1B}" dt="2025-05-01T08:12:09.254" v="156" actId="20577"/>
+          <ac:chgData name="Александр Кулагин" userId="0c5fdc8e974bdd38" providerId="LiveId" clId="{C6D04515-DF06-42AB-ABF9-B70DE87F5D1B}" dt="2025-05-13T10:11:34.404" v="808" actId="14100"/>
           <ac:spMkLst>
             <pc:docMk/>
             <pc:sldMk cId="0" sldId="269"/>
             <ac:spMk id="2" creationId="{00000000-0000-0000-0000-000000000000}"/>
           </ac:spMkLst>
         </pc:spChg>
+        <pc:spChg chg="del">
+          <ac:chgData name="Александр Кулагин" userId="0c5fdc8e974bdd38" providerId="LiveId" clId="{C6D04515-DF06-42AB-ABF9-B70DE87F5D1B}" dt="2025-05-13T10:11:37.149" v="809" actId="478"/>
+          <ac:spMkLst>
+            <pc:docMk/>
+            <pc:sldMk cId="0" sldId="269"/>
+            <ac:spMk id="3" creationId="{00000000-0000-0000-0000-000000000000}"/>
+          </ac:spMkLst>
+        </pc:spChg>
+        <pc:picChg chg="add del mod modCrop">
+          <ac:chgData name="Александр Кулагин" userId="0c5fdc8e974bdd38" providerId="LiveId" clId="{C6D04515-DF06-42AB-ABF9-B70DE87F5D1B}" dt="2025-05-13T10:21:29.437" v="866" actId="478"/>
+          <ac:picMkLst>
+            <pc:docMk/>
+            <pc:sldMk cId="0" sldId="269"/>
+            <ac:picMk id="5" creationId="{1F0A11BC-C0C0-4B84-93CD-321179372A43}"/>
+          </ac:picMkLst>
+        </pc:picChg>
+        <pc:picChg chg="add del mod modCrop">
+          <ac:chgData name="Александр Кулагин" userId="0c5fdc8e974bdd38" providerId="LiveId" clId="{C6D04515-DF06-42AB-ABF9-B70DE87F5D1B}" dt="2025-05-13T10:19:55.408" v="849" actId="478"/>
+          <ac:picMkLst>
+            <pc:docMk/>
+            <pc:sldMk cId="0" sldId="269"/>
+            <ac:picMk id="8" creationId="{AF3A8F1C-E06D-4449-9A4A-243DA91F8FAE}"/>
+          </ac:picMkLst>
+        </pc:picChg>
+        <pc:picChg chg="add del mod modCrop">
+          <ac:chgData name="Александр Кулагин" userId="0c5fdc8e974bdd38" providerId="LiveId" clId="{C6D04515-DF06-42AB-ABF9-B70DE87F5D1B}" dt="2025-05-13T10:21:30.008" v="867" actId="478"/>
+          <ac:picMkLst>
+            <pc:docMk/>
+            <pc:sldMk cId="0" sldId="269"/>
+            <ac:picMk id="9" creationId="{8CBB8327-A859-4FB0-B393-B0FFA4D1121C}"/>
+          </ac:picMkLst>
+        </pc:picChg>
+        <pc:picChg chg="add del mod">
+          <ac:chgData name="Александр Кулагин" userId="0c5fdc8e974bdd38" providerId="LiveId" clId="{C6D04515-DF06-42AB-ABF9-B70DE87F5D1B}" dt="2025-05-13T18:36:41.932" v="909" actId="478"/>
+          <ac:picMkLst>
+            <pc:docMk/>
+            <pc:sldMk cId="0" sldId="269"/>
+            <ac:picMk id="11" creationId="{BA1E8753-889C-452D-A782-772C8F757981}"/>
+          </ac:picMkLst>
+        </pc:picChg>
+        <pc:picChg chg="add mod">
+          <ac:chgData name="Александр Кулагин" userId="0c5fdc8e974bdd38" providerId="LiveId" clId="{C6D04515-DF06-42AB-ABF9-B70DE87F5D1B}" dt="2025-05-13T19:13:37.179" v="919" actId="1036"/>
+          <ac:picMkLst>
+            <pc:docMk/>
+            <pc:sldMk cId="0" sldId="269"/>
+            <ac:picMk id="13" creationId="{013CD733-0BF7-4CC9-9D68-C30218AD431D}"/>
+          </ac:picMkLst>
+        </pc:picChg>
       </pc:sldChg>
       <pc:sldChg chg="modSp mod">
-        <pc:chgData name="Александр Кулагин" userId="0c5fdc8e974bdd38" providerId="LiveId" clId="{C6D04515-DF06-42AB-ABF9-B70DE87F5D1B}" dt="2025-05-01T08:13:59.279" v="199" actId="20577"/>
+        <pc:chgData name="Александр Кулагин" userId="0c5fdc8e974bdd38" providerId="LiveId" clId="{C6D04515-DF06-42AB-ABF9-B70DE87F5D1B}" dt="2025-05-13T10:08:07.864" v="777" actId="14100"/>
         <pc:sldMkLst>
           <pc:docMk/>
           <pc:sldMk cId="0" sldId="270"/>
         </pc:sldMkLst>
         <pc:spChg chg="mod">
-          <ac:chgData name="Александр Кулагин" userId="0c5fdc8e974bdd38" providerId="LiveId" clId="{C6D04515-DF06-42AB-ABF9-B70DE87F5D1B}" dt="2025-05-01T08:13:59.279" v="199" actId="20577"/>
+          <ac:chgData name="Александр Кулагин" userId="0c5fdc8e974bdd38" providerId="LiveId" clId="{C6D04515-DF06-42AB-ABF9-B70DE87F5D1B}" dt="2025-05-13T10:08:07.864" v="777" actId="14100"/>
           <ac:spMkLst>
             <pc:docMk/>
             <pc:sldMk cId="0" sldId="270"/>
@@ -526,35 +589,99 @@
           <pc:sldMk cId="3205477148" sldId="272"/>
         </pc:sldMkLst>
       </pc:sldChg>
-      <pc:sldChg chg="modSp add mod">
-        <pc:chgData name="Александр Кулагин" userId="0c5fdc8e974bdd38" providerId="LiveId" clId="{C6D04515-DF06-42AB-ABF9-B70DE87F5D1B}" dt="2025-05-02T10:37:09.794" v="470" actId="20577"/>
+      <pc:sldChg chg="addSp delSp modSp add mod">
+        <pc:chgData name="Александр Кулагин" userId="0c5fdc8e974bdd38" providerId="LiveId" clId="{C6D04515-DF06-42AB-ABF9-B70DE87F5D1B}" dt="2025-05-13T11:52:42.298" v="893" actId="1076"/>
         <pc:sldMkLst>
           <pc:docMk/>
           <pc:sldMk cId="3670862037" sldId="273"/>
         </pc:sldMkLst>
         <pc:spChg chg="mod">
-          <ac:chgData name="Александр Кулагин" userId="0c5fdc8e974bdd38" providerId="LiveId" clId="{C6D04515-DF06-42AB-ABF9-B70DE87F5D1B}" dt="2025-05-02T10:37:09.794" v="470" actId="20577"/>
+          <ac:chgData name="Александр Кулагин" userId="0c5fdc8e974bdd38" providerId="LiveId" clId="{C6D04515-DF06-42AB-ABF9-B70DE87F5D1B}" dt="2025-05-13T11:52:25.462" v="889" actId="14100"/>
           <ac:spMkLst>
             <pc:docMk/>
             <pc:sldMk cId="3670862037" sldId="273"/>
             <ac:spMk id="2" creationId="{00000000-0000-0000-0000-000000000000}"/>
           </ac:spMkLst>
         </pc:spChg>
+        <pc:spChg chg="del">
+          <ac:chgData name="Александр Кулагин" userId="0c5fdc8e974bdd38" providerId="LiveId" clId="{C6D04515-DF06-42AB-ABF9-B70DE87F5D1B}" dt="2025-05-13T11:51:31.208" v="876" actId="478"/>
+          <ac:spMkLst>
+            <pc:docMk/>
+            <pc:sldMk cId="3670862037" sldId="273"/>
+            <ac:spMk id="3" creationId="{00000000-0000-0000-0000-000000000000}"/>
+          </ac:spMkLst>
+        </pc:spChg>
+        <pc:picChg chg="add mod">
+          <ac:chgData name="Александр Кулагин" userId="0c5fdc8e974bdd38" providerId="LiveId" clId="{C6D04515-DF06-42AB-ABF9-B70DE87F5D1B}" dt="2025-05-13T11:52:42.298" v="893" actId="1076"/>
+          <ac:picMkLst>
+            <pc:docMk/>
+            <pc:sldMk cId="3670862037" sldId="273"/>
+            <ac:picMk id="5" creationId="{DB5EEDBE-D6A2-41FD-B3F1-DA0306811015}"/>
+          </ac:picMkLst>
+        </pc:picChg>
       </pc:sldChg>
-      <pc:sldChg chg="modSp add mod">
-        <pc:chgData name="Александр Кулагин" userId="0c5fdc8e974bdd38" providerId="LiveId" clId="{C6D04515-DF06-42AB-ABF9-B70DE87F5D1B}" dt="2025-05-02T10:37:17.811" v="474" actId="20577"/>
+      <pc:sldChg chg="addSp delSp modSp add mod">
+        <pc:chgData name="Александр Кулагин" userId="0c5fdc8e974bdd38" providerId="LiveId" clId="{C6D04515-DF06-42AB-ABF9-B70DE87F5D1B}" dt="2025-05-13T18:23:19.482" v="908" actId="1076"/>
         <pc:sldMkLst>
           <pc:docMk/>
           <pc:sldMk cId="3103626496" sldId="274"/>
         </pc:sldMkLst>
-        <pc:spChg chg="mod">
-          <ac:chgData name="Александр Кулагин" userId="0c5fdc8e974bdd38" providerId="LiveId" clId="{C6D04515-DF06-42AB-ABF9-B70DE87F5D1B}" dt="2025-05-02T10:37:17.811" v="474" actId="20577"/>
+        <pc:spChg chg="del mod">
+          <ac:chgData name="Александр Кулагин" userId="0c5fdc8e974bdd38" providerId="LiveId" clId="{C6D04515-DF06-42AB-ABF9-B70DE87F5D1B}" dt="2025-05-13T11:53:41.645" v="895" actId="478"/>
           <ac:spMkLst>
             <pc:docMk/>
             <pc:sldMk cId="3103626496" sldId="274"/>
             <ac:spMk id="2" creationId="{00000000-0000-0000-0000-000000000000}"/>
           </ac:spMkLst>
         </pc:spChg>
+        <pc:spChg chg="del">
+          <ac:chgData name="Александр Кулагин" userId="0c5fdc8e974bdd38" providerId="LiveId" clId="{C6D04515-DF06-42AB-ABF9-B70DE87F5D1B}" dt="2025-05-13T11:53:44.237" v="897" actId="478"/>
+          <ac:spMkLst>
+            <pc:docMk/>
+            <pc:sldMk cId="3103626496" sldId="274"/>
+            <ac:spMk id="3" creationId="{00000000-0000-0000-0000-000000000000}"/>
+          </ac:spMkLst>
+        </pc:spChg>
+        <pc:spChg chg="add mod">
+          <ac:chgData name="Александр Кулагин" userId="0c5fdc8e974bdd38" providerId="LiveId" clId="{C6D04515-DF06-42AB-ABF9-B70DE87F5D1B}" dt="2025-05-13T11:53:47.506" v="900" actId="20577"/>
+          <ac:spMkLst>
+            <pc:docMk/>
+            <pc:sldMk cId="3103626496" sldId="274"/>
+            <ac:spMk id="5" creationId="{6434007E-5ABE-482B-9A6C-5C454C3153ED}"/>
+          </ac:spMkLst>
+        </pc:spChg>
+        <pc:spChg chg="add del mod">
+          <ac:chgData name="Александр Кулагин" userId="0c5fdc8e974bdd38" providerId="LiveId" clId="{C6D04515-DF06-42AB-ABF9-B70DE87F5D1B}" dt="2025-05-13T11:53:43.331" v="896" actId="478"/>
+          <ac:spMkLst>
+            <pc:docMk/>
+            <pc:sldMk cId="3103626496" sldId="274"/>
+            <ac:spMk id="6" creationId="{40CAFDB7-FA14-41CD-A034-CA46091D75A8}"/>
+          </ac:spMkLst>
+        </pc:spChg>
+        <pc:spChg chg="add del">
+          <ac:chgData name="Александр Кулагин" userId="0c5fdc8e974bdd38" providerId="LiveId" clId="{C6D04515-DF06-42AB-ABF9-B70DE87F5D1B}" dt="2025-05-13T18:22:51.782" v="902" actId="22"/>
+          <ac:spMkLst>
+            <pc:docMk/>
+            <pc:sldMk cId="3103626496" sldId="274"/>
+            <ac:spMk id="9" creationId="{51EF55FE-50DD-46DC-89CA-9CFD77521830}"/>
+          </ac:spMkLst>
+        </pc:spChg>
+        <pc:spChg chg="add del">
+          <ac:chgData name="Александр Кулагин" userId="0c5fdc8e974bdd38" providerId="LiveId" clId="{C6D04515-DF06-42AB-ABF9-B70DE87F5D1B}" dt="2025-05-13T18:22:56.678" v="904" actId="22"/>
+          <ac:spMkLst>
+            <pc:docMk/>
+            <pc:sldMk cId="3103626496" sldId="274"/>
+            <ac:spMk id="11" creationId="{C5CD9FDF-C5B0-47EE-BE01-F60750E5C259}"/>
+          </ac:spMkLst>
+        </pc:spChg>
+        <pc:picChg chg="add mod">
+          <ac:chgData name="Александр Кулагин" userId="0c5fdc8e974bdd38" providerId="LiveId" clId="{C6D04515-DF06-42AB-ABF9-B70DE87F5D1B}" dt="2025-05-13T18:23:19.482" v="908" actId="1076"/>
+          <ac:picMkLst>
+            <pc:docMk/>
+            <pc:sldMk cId="3103626496" sldId="274"/>
+            <ac:picMk id="13" creationId="{5FCA0B91-7754-425F-AAFC-049E004D9D86}"/>
+          </ac:picMkLst>
+        </pc:picChg>
       </pc:sldChg>
     </pc:docChg>
   </pc:docChgLst>
@@ -701,7 +828,7 @@
             </a:pPr>
             <a:fld id="{3A804B90-2540-48C9-BF7B-225AA01A2E1C}" type="datetime1">
               <a:rPr lang="ru-RU"/>
-              <a:t>02.05.2025</a:t>
+              <a:t>14.05.2025</a:t>
             </a:fld>
             <a:endParaRPr lang="ru-RU"/>
           </a:p>
@@ -892,7 +1019,7 @@
             </a:pPr>
             <a:fld id="{27CE245A-42EF-4591-8934-D9ED208DF353}" type="datetime1">
               <a:rPr lang="ru-RU"/>
-              <a:t>02.05.2025</a:t>
+              <a:t>14.05.2025</a:t>
             </a:fld>
             <a:endParaRPr lang="ru-RU"/>
           </a:p>
@@ -1093,7 +1220,7 @@
             </a:pPr>
             <a:fld id="{2D9CA47F-E1F1-4957-95F4-BE9E15DF88B6}" type="datetime1">
               <a:rPr lang="ru-RU"/>
-              <a:t>02.05.2025</a:t>
+              <a:t>14.05.2025</a:t>
             </a:fld>
             <a:endParaRPr lang="ru-RU"/>
           </a:p>
@@ -1284,7 +1411,7 @@
             </a:pPr>
             <a:fld id="{E850FDA2-9F84-4F8C-9FE8-1F488B7264DF}" type="datetime1">
               <a:rPr lang="ru-RU"/>
-              <a:t>02.05.2025</a:t>
+              <a:t>14.05.2025</a:t>
             </a:fld>
             <a:endParaRPr lang="ru-RU"/>
           </a:p>
@@ -1540,7 +1667,7 @@
             </a:pPr>
             <a:fld id="{B5270CDC-07EC-40F7-BCC1-5B5425FEEAFC}" type="datetime1">
               <a:rPr lang="ru-RU"/>
-              <a:t>02.05.2025</a:t>
+              <a:t>14.05.2025</a:t>
             </a:fld>
             <a:endParaRPr lang="ru-RU"/>
           </a:p>
@@ -1807,7 +1934,7 @@
             </a:pPr>
             <a:fld id="{7E1785FA-7C26-4AFB-A6A2-A71C566645D9}" type="datetime1">
               <a:rPr lang="ru-RU"/>
-              <a:t>02.05.2025</a:t>
+              <a:t>14.05.2025</a:t>
             </a:fld>
             <a:endParaRPr lang="ru-RU"/>
           </a:p>
@@ -2215,7 +2342,7 @@
             </a:pPr>
             <a:fld id="{75B98B3A-E6CF-400E-9CDD-A3A11A7EDF1B}" type="datetime1">
               <a:rPr lang="ru-RU"/>
-              <a:t>02.05.2025</a:t>
+              <a:t>14.05.2025</a:t>
             </a:fld>
             <a:endParaRPr lang="ru-RU"/>
           </a:p>
@@ -2340,7 +2467,7 @@
             </a:pPr>
             <a:fld id="{7AA14BB5-3DB2-42BC-81AF-AE7E6DE88FE0}" type="datetime1">
               <a:rPr lang="ru-RU"/>
-              <a:t>02.05.2025</a:t>
+              <a:t>14.05.2025</a:t>
             </a:fld>
             <a:endParaRPr lang="ru-RU"/>
           </a:p>
@@ -2439,7 +2566,7 @@
             </a:pPr>
             <a:fld id="{55ADD655-A0E7-4AFE-B4FE-58CC1CB73646}" type="datetime1">
               <a:rPr lang="ru-RU"/>
-              <a:t>02.05.2025</a:t>
+              <a:t>14.05.2025</a:t>
             </a:fld>
             <a:endParaRPr lang="ru-RU"/>
           </a:p>
@@ -2740,7 +2867,7 @@
             </a:pPr>
             <a:fld id="{0EC25F17-F49C-485F-8A7D-49D55D7487B7}" type="datetime1">
               <a:rPr lang="ru-RU"/>
-              <a:t>02.05.2025</a:t>
+              <a:t>14.05.2025</a:t>
             </a:fld>
             <a:endParaRPr lang="ru-RU"/>
           </a:p>
@@ -3006,7 +3133,7 @@
             </a:pPr>
             <a:fld id="{EF549441-321C-4CDD-A494-45F021704F24}" type="datetime1">
               <a:rPr lang="ru-RU"/>
-              <a:t>02.05.2025</a:t>
+              <a:t>14.05.2025</a:t>
             </a:fld>
             <a:endParaRPr lang="ru-RU"/>
           </a:p>
@@ -3240,7 +3367,7 @@
             </a:pPr>
             <a:fld id="{DF35E232-BFFA-4100-85C5-DA5195251A30}" type="datetime1">
               <a:rPr lang="ru-RU"/>
-              <a:t>02.05.2025</a:t>
+              <a:t>14.05.2025</a:t>
             </a:fld>
             <a:endParaRPr lang="ru-RU"/>
           </a:p>
@@ -4499,8 +4626,8 @@
         </p:nvSpPr>
         <p:spPr bwMode="auto">
           <a:xfrm>
-            <a:off x="838200" y="365125"/>
-            <a:ext cx="10515600" cy="543595"/>
+            <a:off x="838200" y="260649"/>
+            <a:ext cx="10515600" cy="531032"/>
           </a:xfrm>
         </p:spPr>
         <p:txBody>
@@ -4748,44 +4875,29 @@
             <p:ph type="title"/>
           </p:nvPr>
         </p:nvSpPr>
-        <p:spPr bwMode="auto"/>
-        <p:txBody>
-          <a:bodyPr/>
+        <p:spPr bwMode="auto">
+          <a:xfrm>
+            <a:off x="838200" y="365125"/>
+            <a:ext cx="10515600" cy="543595"/>
+          </a:xfrm>
+        </p:spPr>
+        <p:txBody>
+          <a:bodyPr anchor="t">
+            <a:normAutofit/>
+          </a:bodyPr>
           <a:lstStyle/>
           <a:p>
             <a:pPr algn="ctr">
               <a:defRPr/>
             </a:pPr>
             <a:r>
-              <a:rPr lang="ru-RU" b="1" dirty="0">
+              <a:rPr lang="ru-RU" sz="2800" b="1" dirty="0">
                 <a:latin typeface="Times New Roman"/>
                 <a:cs typeface="Times New Roman"/>
               </a:rPr>
               <a:t>Макет главной страницы портала сотрудников</a:t>
             </a:r>
-            <a:endParaRPr lang="ru-RU" dirty="0"/>
-          </a:p>
-        </p:txBody>
-      </p:sp>
-      <p:sp>
-        <p:nvSpPr>
-          <p:cNvPr id="3" name="Объект 2"/>
-          <p:cNvSpPr>
-            <a:spLocks noGrp="1"/>
-          </p:cNvSpPr>
-          <p:nvPr>
-            <p:ph idx="1"/>
-          </p:nvPr>
-        </p:nvSpPr>
-        <p:spPr bwMode="auto"/>
-        <p:txBody>
-          <a:bodyPr/>
-          <a:lstStyle/>
-          <a:p>
-            <a:pPr>
-              <a:defRPr/>
-            </a:pPr>
-            <a:endParaRPr lang="ru-RU" dirty="0"/>
+            <a:endParaRPr lang="ru-RU" sz="2800" dirty="0"/>
           </a:p>
         </p:txBody>
       </p:sp>
@@ -4921,6 +5033,36 @@
           </a:p>
         </p:txBody>
       </p:sp>
+      <p:pic>
+        <p:nvPicPr>
+          <p:cNvPr id="13" name="Рисунок 12">
+            <a:extLst>
+              <a:ext uri="{FF2B5EF4-FFF2-40B4-BE49-F238E27FC236}">
+                <a16:creationId xmlns:a16="http://schemas.microsoft.com/office/drawing/2014/main" id="{013CD733-0BF7-4CC9-9D68-C30218AD431D}"/>
+              </a:ext>
+            </a:extLst>
+          </p:cNvPr>
+          <p:cNvPicPr>
+            <a:picLocks noChangeAspect="1"/>
+          </p:cNvPicPr>
+          <p:nvPr/>
+        </p:nvPicPr>
+        <p:blipFill>
+          <a:blip r:embed="rId2"/>
+          <a:stretch>
+            <a:fillRect/>
+          </a:stretch>
+        </p:blipFill>
+        <p:spPr>
+          <a:xfrm>
+            <a:off x="647564" y="860439"/>
+            <a:ext cx="10896872" cy="5641401"/>
+          </a:xfrm>
+          <a:prstGeom prst="rect">
+            <a:avLst/>
+          </a:prstGeom>
+        </p:spPr>
+      </p:pic>
     </p:spTree>
   </p:cSld>
   <p:clrMapOvr>
@@ -4956,44 +5098,29 @@
             <p:ph type="title"/>
           </p:nvPr>
         </p:nvSpPr>
-        <p:spPr bwMode="auto"/>
-        <p:txBody>
-          <a:bodyPr/>
+        <p:spPr bwMode="auto">
+          <a:xfrm>
+            <a:off x="838200" y="260648"/>
+            <a:ext cx="10515600" cy="720080"/>
+          </a:xfrm>
+        </p:spPr>
+        <p:txBody>
+          <a:bodyPr>
+            <a:normAutofit/>
+          </a:bodyPr>
           <a:lstStyle/>
           <a:p>
             <a:pPr algn="ctr">
               <a:defRPr/>
             </a:pPr>
             <a:r>
-              <a:rPr lang="ru-RU" sz="4400" b="1" dirty="0">
+              <a:rPr lang="ru-RU" sz="2800" b="1" dirty="0">
                 <a:latin typeface="Times New Roman"/>
                 <a:cs typeface="Times New Roman"/>
               </a:rPr>
               <a:t>Макет страницы заказов</a:t>
             </a:r>
-            <a:endParaRPr lang="ru-RU" dirty="0"/>
-          </a:p>
-        </p:txBody>
-      </p:sp>
-      <p:sp>
-        <p:nvSpPr>
-          <p:cNvPr id="3" name="Объект 2"/>
-          <p:cNvSpPr>
-            <a:spLocks noGrp="1"/>
-          </p:cNvSpPr>
-          <p:nvPr>
-            <p:ph idx="1"/>
-          </p:nvPr>
-        </p:nvSpPr>
-        <p:spPr bwMode="auto"/>
-        <p:txBody>
-          <a:bodyPr/>
-          <a:lstStyle/>
-          <a:p>
-            <a:pPr>
-              <a:defRPr/>
-            </a:pPr>
-            <a:endParaRPr lang="ru-RU"/>
+            <a:endParaRPr lang="ru-RU" sz="2800" dirty="0"/>
           </a:p>
         </p:txBody>
       </p:sp>
@@ -5129,6 +5256,36 @@
           </a:p>
         </p:txBody>
       </p:sp>
+      <p:pic>
+        <p:nvPicPr>
+          <p:cNvPr id="5" name="Рисунок 4">
+            <a:extLst>
+              <a:ext uri="{FF2B5EF4-FFF2-40B4-BE49-F238E27FC236}">
+                <a16:creationId xmlns:a16="http://schemas.microsoft.com/office/drawing/2014/main" id="{DB5EEDBE-D6A2-41FD-B3F1-DA0306811015}"/>
+              </a:ext>
+            </a:extLst>
+          </p:cNvPr>
+          <p:cNvPicPr>
+            <a:picLocks noChangeAspect="1"/>
+          </p:cNvPicPr>
+          <p:nvPr/>
+        </p:nvPicPr>
+        <p:blipFill>
+          <a:blip r:embed="rId2"/>
+          <a:stretch>
+            <a:fillRect/>
+          </a:stretch>
+        </p:blipFill>
+        <p:spPr>
+          <a:xfrm>
+            <a:off x="635732" y="844348"/>
+            <a:ext cx="10920536" cy="5653652"/>
+          </a:xfrm>
+          <a:prstGeom prst="rect">
+            <a:avLst/>
+          </a:prstGeom>
+        </p:spPr>
+      </p:pic>
     </p:spTree>
     <p:extLst>
       <p:ext uri="{BB962C8B-B14F-4D97-AF65-F5344CB8AC3E}">
@@ -5161,57 +5318,6 @@
       </p:grpSpPr>
       <p:sp>
         <p:nvSpPr>
-          <p:cNvPr id="2" name="Заголовок 1"/>
-          <p:cNvSpPr>
-            <a:spLocks noGrp="1"/>
-          </p:cNvSpPr>
-          <p:nvPr>
-            <p:ph type="title"/>
-          </p:nvPr>
-        </p:nvSpPr>
-        <p:spPr bwMode="auto"/>
-        <p:txBody>
-          <a:bodyPr/>
-          <a:lstStyle/>
-          <a:p>
-            <a:pPr algn="ctr">
-              <a:defRPr/>
-            </a:pPr>
-            <a:r>
-              <a:rPr lang="ru-RU" sz="4400" b="1" dirty="0">
-                <a:latin typeface="Times New Roman"/>
-                <a:cs typeface="Times New Roman"/>
-              </a:rPr>
-              <a:t>Макет страницы заказа</a:t>
-            </a:r>
-            <a:endParaRPr lang="ru-RU" dirty="0"/>
-          </a:p>
-        </p:txBody>
-      </p:sp>
-      <p:sp>
-        <p:nvSpPr>
-          <p:cNvPr id="3" name="Объект 2"/>
-          <p:cNvSpPr>
-            <a:spLocks noGrp="1"/>
-          </p:cNvSpPr>
-          <p:nvPr>
-            <p:ph idx="1"/>
-          </p:nvPr>
-        </p:nvSpPr>
-        <p:spPr bwMode="auto"/>
-        <p:txBody>
-          <a:bodyPr/>
-          <a:lstStyle/>
-          <a:p>
-            <a:pPr>
-              <a:defRPr/>
-            </a:pPr>
-            <a:endParaRPr lang="ru-RU"/>
-          </a:p>
-        </p:txBody>
-      </p:sp>
-      <p:sp>
-        <p:nvSpPr>
           <p:cNvPr id="7" name="Номер слайда 3"/>
           <p:cNvSpPr txBox="1"/>
           <p:nvPr/>
@@ -5342,6 +5448,97 @@
           </a:p>
         </p:txBody>
       </p:sp>
+      <p:sp>
+        <p:nvSpPr>
+          <p:cNvPr id="5" name="Заголовок 1">
+            <a:extLst>
+              <a:ext uri="{FF2B5EF4-FFF2-40B4-BE49-F238E27FC236}">
+                <a16:creationId xmlns:a16="http://schemas.microsoft.com/office/drawing/2014/main" id="{6434007E-5ABE-482B-9A6C-5C454C3153ED}"/>
+              </a:ext>
+            </a:extLst>
+          </p:cNvPr>
+          <p:cNvSpPr txBox="1">
+            <a:spLocks/>
+          </p:cNvSpPr>
+          <p:nvPr/>
+        </p:nvSpPr>
+        <p:spPr bwMode="auto">
+          <a:xfrm>
+            <a:off x="838200" y="260648"/>
+            <a:ext cx="10515600" cy="720080"/>
+          </a:xfrm>
+          <a:prstGeom prst="rect">
+            <a:avLst/>
+          </a:prstGeom>
+        </p:spPr>
+        <p:txBody>
+          <a:bodyPr vert="horz" lIns="91440" tIns="45720" rIns="91440" bIns="45720" rtlCol="0" anchor="ctr">
+            <a:normAutofit/>
+          </a:bodyPr>
+          <a:lstStyle>
+            <a:lvl1pPr algn="l" defTabSz="914400">
+              <a:lnSpc>
+                <a:spcPct val="90000"/>
+              </a:lnSpc>
+              <a:spcBef>
+                <a:spcPts val="0"/>
+              </a:spcBef>
+              <a:buNone/>
+              <a:defRPr sz="4400">
+                <a:solidFill>
+                  <a:schemeClr val="tx1"/>
+                </a:solidFill>
+                <a:latin typeface="+mj-lt"/>
+                <a:ea typeface="+mj-ea"/>
+                <a:cs typeface="+mj-cs"/>
+              </a:defRPr>
+            </a:lvl1pPr>
+          </a:lstStyle>
+          <a:p>
+            <a:pPr algn="ctr">
+              <a:defRPr/>
+            </a:pPr>
+            <a:r>
+              <a:rPr lang="ru-RU" sz="2800" b="1" dirty="0">
+                <a:latin typeface="Times New Roman"/>
+                <a:cs typeface="Times New Roman"/>
+              </a:rPr>
+              <a:t>Макет страницы заказа</a:t>
+            </a:r>
+            <a:endParaRPr lang="ru-RU" sz="2800" dirty="0"/>
+          </a:p>
+        </p:txBody>
+      </p:sp>
+      <p:pic>
+        <p:nvPicPr>
+          <p:cNvPr id="13" name="Рисунок 12">
+            <a:extLst>
+              <a:ext uri="{FF2B5EF4-FFF2-40B4-BE49-F238E27FC236}">
+                <a16:creationId xmlns:a16="http://schemas.microsoft.com/office/drawing/2014/main" id="{5FCA0B91-7754-425F-AAFC-049E004D9D86}"/>
+              </a:ext>
+            </a:extLst>
+          </p:cNvPr>
+          <p:cNvPicPr>
+            <a:picLocks noChangeAspect="1"/>
+          </p:cNvPicPr>
+          <p:nvPr/>
+        </p:nvPicPr>
+        <p:blipFill>
+          <a:blip r:embed="rId2"/>
+          <a:stretch>
+            <a:fillRect/>
+          </a:stretch>
+        </p:blipFill>
+        <p:spPr>
+          <a:xfrm>
+            <a:off x="635732" y="845636"/>
+            <a:ext cx="10920536" cy="5653652"/>
+          </a:xfrm>
+          <a:prstGeom prst="rect">
+            <a:avLst/>
+          </a:prstGeom>
+        </p:spPr>
+      </p:pic>
     </p:spTree>
     <p:extLst>
       <p:ext uri="{BB962C8B-B14F-4D97-AF65-F5344CB8AC3E}">
@@ -5419,7 +5616,7 @@
             <a:pPr>
               <a:defRPr/>
             </a:pPr>
-            <a:endParaRPr lang="ru-RU"/>
+            <a:endParaRPr lang="ru-RU" dirty="0"/>
           </a:p>
         </p:txBody>
       </p:sp>
@@ -5598,7 +5795,7 @@
         <p:spPr bwMode="auto">
           <a:xfrm>
             <a:off x="612144" y="404664"/>
-            <a:ext cx="10967712" cy="5733336"/>
+            <a:ext cx="10967712" cy="6192688"/>
           </a:xfrm>
         </p:spPr>
         <p:txBody>
@@ -5694,7 +5891,7 @@
                 <a:ea typeface="Times New Roman"/>
                 <a:cs typeface="Times New Roman" panose="02020603050405020304" pitchFamily="18" charset="0"/>
               </a:rPr>
-              <a:t>Были выполнены следующие задачи:</a:t>
+              <a:t>При реализации  цели были выполнены следующие задачи:</a:t>
             </a:r>
             <a:endParaRPr dirty="0">
               <a:latin typeface="Times New Roman" panose="02020603050405020304" pitchFamily="18" charset="0"/>
@@ -5719,7 +5916,23 @@
                 <a:ea typeface="Times New Roman"/>
                 <a:cs typeface="Times New Roman" panose="02020603050405020304" pitchFamily="18" charset="0"/>
               </a:rPr>
-              <a:t>проанализированы существующие решения;</a:t>
+              <a:t>проведен анализ существующих решений. Определены основные требования к </a:t>
+            </a:r>
+            <a:r>
+              <a:rPr lang="en-US" dirty="0">
+                <a:latin typeface="Times New Roman" panose="02020603050405020304" pitchFamily="18" charset="0"/>
+                <a:ea typeface="Times New Roman"/>
+                <a:cs typeface="Times New Roman" panose="02020603050405020304" pitchFamily="18" charset="0"/>
+              </a:rPr>
+              <a:t>web-</a:t>
+            </a:r>
+            <a:r>
+              <a:rPr lang="ru-RU" dirty="0">
+                <a:latin typeface="Times New Roman" panose="02020603050405020304" pitchFamily="18" charset="0"/>
+                <a:ea typeface="Times New Roman"/>
+                <a:cs typeface="Times New Roman" panose="02020603050405020304" pitchFamily="18" charset="0"/>
+              </a:rPr>
+              <a:t>платформе;</a:t>
             </a:r>
             <a:endParaRPr dirty="0">
               <a:latin typeface="Times New Roman" panose="02020603050405020304" pitchFamily="18" charset="0"/>
@@ -5744,7 +5957,7 @@
                 <a:ea typeface="Times New Roman"/>
                 <a:cs typeface="Times New Roman" panose="02020603050405020304" pitchFamily="18" charset="0"/>
               </a:rPr>
-              <a:t>выбраны средства для </a:t>
+              <a:t>выбраны средства для разработки </a:t>
             </a:r>
             <a:r>
               <a:rPr lang="en-US" dirty="0">
@@ -5760,7 +5973,7 @@
                 <a:ea typeface="Times New Roman"/>
                 <a:cs typeface="Times New Roman" panose="02020603050405020304" pitchFamily="18" charset="0"/>
               </a:rPr>
-              <a:t>разработки;</a:t>
+              <a:t>платформы;</a:t>
             </a:r>
             <a:endParaRPr dirty="0">
               <a:latin typeface="Times New Roman" panose="02020603050405020304" pitchFamily="18" charset="0"/>
@@ -5785,9 +5998,25 @@
                 <a:ea typeface="Times New Roman"/>
                 <a:cs typeface="Times New Roman" panose="02020603050405020304" pitchFamily="18" charset="0"/>
               </a:rPr>
-              <a:t>спроектирована база данных;</a:t>
-            </a:r>
-            <a:endParaRPr dirty="0">
+              <a:t>спроектирована база данных при помощи СУБД </a:t>
+            </a:r>
+            <a:r>
+              <a:rPr lang="en-US" dirty="0">
+                <a:latin typeface="Times New Roman" panose="02020603050405020304" pitchFamily="18" charset="0"/>
+                <a:ea typeface="Times New Roman"/>
+                <a:cs typeface="Times New Roman" panose="02020603050405020304" pitchFamily="18" charset="0"/>
+              </a:rPr>
+              <a:t>PostgreSQL</a:t>
+            </a:r>
+            <a:r>
+              <a:rPr lang="ru-RU" dirty="0">
+                <a:latin typeface="Times New Roman" panose="02020603050405020304" pitchFamily="18" charset="0"/>
+                <a:ea typeface="Times New Roman"/>
+                <a:cs typeface="Times New Roman" panose="02020603050405020304" pitchFamily="18" charset="0"/>
+              </a:rPr>
+              <a:t>;</a:t>
+            </a:r>
+            <a:endParaRPr lang="ru-RU" dirty="0">
               <a:latin typeface="Times New Roman" panose="02020603050405020304" pitchFamily="18" charset="0"/>
               <a:cs typeface="Times New Roman" panose="02020603050405020304" pitchFamily="18" charset="0"/>
             </a:endParaRPr>
@@ -5812,7 +6041,7 @@
               </a:rPr>
               <a:t>спроектирована схема работы системы и схемы алгоритмов;</a:t>
             </a:r>
-            <a:endParaRPr dirty="0">
+            <a:endParaRPr lang="ru-RU" dirty="0">
               <a:latin typeface="Times New Roman" panose="02020603050405020304" pitchFamily="18" charset="0"/>
               <a:cs typeface="Times New Roman" panose="02020603050405020304" pitchFamily="18" charset="0"/>
             </a:endParaRPr>
@@ -5851,7 +6080,87 @@
                 <a:ea typeface="Times New Roman"/>
                 <a:cs typeface="Times New Roman" panose="02020603050405020304" pitchFamily="18" charset="0"/>
               </a:rPr>
-              <a:t>платформа.</a:t>
+              <a:t>платформа</a:t>
+            </a:r>
+            <a:r>
+              <a:rPr lang="en-US" dirty="0">
+                <a:latin typeface="Times New Roman" panose="02020603050405020304" pitchFamily="18" charset="0"/>
+                <a:ea typeface="Times New Roman"/>
+                <a:cs typeface="Times New Roman" panose="02020603050405020304" pitchFamily="18" charset="0"/>
+              </a:rPr>
+              <a:t> </a:t>
+            </a:r>
+            <a:r>
+              <a:rPr lang="ru-RU" dirty="0">
+                <a:latin typeface="Times New Roman" panose="02020603050405020304" pitchFamily="18" charset="0"/>
+                <a:ea typeface="Times New Roman"/>
+                <a:cs typeface="Times New Roman" panose="02020603050405020304" pitchFamily="18" charset="0"/>
+              </a:rPr>
+              <a:t>при помощи </a:t>
+            </a:r>
+            <a:r>
+              <a:rPr lang="en-US" dirty="0">
+                <a:latin typeface="Times New Roman" panose="02020603050405020304" pitchFamily="18" charset="0"/>
+                <a:ea typeface="Times New Roman"/>
+                <a:cs typeface="Times New Roman" panose="02020603050405020304" pitchFamily="18" charset="0"/>
+              </a:rPr>
+              <a:t>JavaScript </a:t>
+            </a:r>
+            <a:r>
+              <a:rPr lang="ru-RU" dirty="0">
+                <a:latin typeface="Times New Roman" panose="02020603050405020304" pitchFamily="18" charset="0"/>
+                <a:ea typeface="Times New Roman"/>
+                <a:cs typeface="Times New Roman" panose="02020603050405020304" pitchFamily="18" charset="0"/>
+              </a:rPr>
+              <a:t>библиотеки </a:t>
+            </a:r>
+            <a:r>
+              <a:rPr lang="en-US" dirty="0">
+                <a:latin typeface="Times New Roman" panose="02020603050405020304" pitchFamily="18" charset="0"/>
+                <a:ea typeface="Times New Roman"/>
+                <a:cs typeface="Times New Roman" panose="02020603050405020304" pitchFamily="18" charset="0"/>
+              </a:rPr>
+              <a:t>React </a:t>
+            </a:r>
+            <a:r>
+              <a:rPr lang="ru-RU" dirty="0">
+                <a:latin typeface="Times New Roman" panose="02020603050405020304" pitchFamily="18" charset="0"/>
+                <a:ea typeface="Times New Roman"/>
+                <a:cs typeface="Times New Roman" panose="02020603050405020304" pitchFamily="18" charset="0"/>
+              </a:rPr>
+              <a:t>и среды </a:t>
+            </a:r>
+            <a:r>
+              <a:rPr lang="en-US" dirty="0">
+                <a:latin typeface="Times New Roman" panose="02020603050405020304" pitchFamily="18" charset="0"/>
+                <a:ea typeface="Times New Roman"/>
+                <a:cs typeface="Times New Roman" panose="02020603050405020304" pitchFamily="18" charset="0"/>
+              </a:rPr>
+              <a:t>Node.js </a:t>
+            </a:r>
+            <a:r>
+              <a:rPr lang="ru-RU" dirty="0">
+                <a:latin typeface="Times New Roman" panose="02020603050405020304" pitchFamily="18" charset="0"/>
+                <a:ea typeface="Times New Roman"/>
+                <a:cs typeface="Times New Roman" panose="02020603050405020304" pitchFamily="18" charset="0"/>
+              </a:rPr>
+              <a:t>с фреймворком </a:t>
+            </a:r>
+            <a:r>
+              <a:rPr lang="en-US" dirty="0">
+                <a:latin typeface="Times New Roman" panose="02020603050405020304" pitchFamily="18" charset="0"/>
+                <a:ea typeface="Times New Roman"/>
+                <a:cs typeface="Times New Roman" panose="02020603050405020304" pitchFamily="18" charset="0"/>
+              </a:rPr>
+              <a:t>Express</a:t>
+            </a:r>
+            <a:r>
+              <a:rPr lang="ru-RU" dirty="0">
+                <a:latin typeface="Times New Roman" panose="02020603050405020304" pitchFamily="18" charset="0"/>
+                <a:ea typeface="Times New Roman"/>
+                <a:cs typeface="Times New Roman" panose="02020603050405020304" pitchFamily="18" charset="0"/>
+              </a:rPr>
+              <a:t>.</a:t>
             </a:r>
             <a:endParaRPr dirty="0">
               <a:latin typeface="Times New Roman" panose="02020603050405020304" pitchFamily="18" charset="0"/>
@@ -7217,7 +7526,7 @@
                         <a:defRPr/>
                       </a:pPr>
                       <a:r>
-                        <a:rPr lang="ru-RU" sz="1600" b="1">
+                        <a:rPr lang="ru-RU" sz="1600" b="1" dirty="0">
                           <a:solidFill>
                             <a:schemeClr val="tx1"/>
                           </a:solidFill>
@@ -7227,7 +7536,7 @@
                         </a:rPr>
                         <a:t>Битрикс24</a:t>
                       </a:r>
-                      <a:endParaRPr sz="1600"/>
+                      <a:endParaRPr sz="1600" dirty="0"/>
                     </a:p>
                   </a:txBody>
                   <a:tcPr marL="116710" marR="116710" marT="58355" marB="58355" anchor="ctr"/>
@@ -7241,7 +7550,7 @@
                         <a:defRPr/>
                       </a:pPr>
                       <a:r>
-                        <a:rPr lang="en-US" sz="1600" b="1">
+                        <a:rPr lang="en-US" sz="1600" b="1" dirty="0" err="1">
                           <a:solidFill>
                             <a:schemeClr val="tx1"/>
                           </a:solidFill>
@@ -7251,7 +7560,7 @@
                         </a:rPr>
                         <a:t>RemBoard</a:t>
                       </a:r>
-                      <a:endParaRPr lang="ru-RU" sz="1600" b="1">
+                      <a:endParaRPr lang="ru-RU" sz="1600" b="1" dirty="0">
                         <a:solidFill>
                           <a:schemeClr val="tx1"/>
                         </a:solidFill>
@@ -7272,7 +7581,7 @@
                         <a:defRPr/>
                       </a:pPr>
                       <a:r>
-                        <a:rPr lang="en-US" sz="1600" b="1">
+                        <a:rPr lang="en-US" sz="1600" b="1" dirty="0">
                           <a:solidFill>
                             <a:schemeClr val="tx1"/>
                           </a:solidFill>
@@ -7282,7 +7591,7 @@
                         </a:rPr>
                         <a:t>Odoo</a:t>
                       </a:r>
-                      <a:endParaRPr lang="ru-RU" sz="1600" b="1">
+                      <a:endParaRPr lang="ru-RU" sz="1600" b="1" dirty="0">
                         <a:solidFill>
                           <a:schemeClr val="tx1"/>
                         </a:solidFill>
@@ -7303,7 +7612,7 @@
                         <a:defRPr/>
                       </a:pPr>
                       <a:r>
-                        <a:rPr lang="en-US" sz="1600" b="1">
+                        <a:rPr lang="en-US" sz="1600" b="1" dirty="0" err="1">
                           <a:solidFill>
                             <a:schemeClr val="tx1"/>
                           </a:solidFill>
@@ -7313,7 +7622,7 @@
                         </a:rPr>
                         <a:t>amoCRM</a:t>
                       </a:r>
-                      <a:endParaRPr lang="ru-RU" sz="1600" b="1">
+                      <a:endParaRPr lang="ru-RU" sz="1600" b="1" dirty="0">
                         <a:solidFill>
                           <a:schemeClr val="tx1"/>
                         </a:solidFill>
@@ -7334,7 +7643,7 @@
                         <a:defRPr/>
                       </a:pPr>
                       <a:r>
-                        <a:rPr lang="en-US" sz="1600" b="1">
+                        <a:rPr lang="en-US" sz="1600" b="1" dirty="0" err="1">
                           <a:solidFill>
                             <a:schemeClr val="tx1"/>
                           </a:solidFill>
@@ -7344,7 +7653,7 @@
                         </a:rPr>
                         <a:t>LiveSklad</a:t>
                       </a:r>
-                      <a:endParaRPr lang="ru-RU" sz="1600" b="1">
+                      <a:endParaRPr lang="ru-RU" sz="1600" b="1" dirty="0">
                         <a:solidFill>
                           <a:schemeClr val="tx1"/>
                         </a:solidFill>
@@ -7421,13 +7730,13 @@
                         <a:defRPr/>
                       </a:pPr>
                       <a:r>
-                        <a:rPr lang="ru-RU" sz="1600">
+                        <a:rPr lang="ru-RU" sz="1600" dirty="0">
                           <a:latin typeface="Times New Roman"/>
                           <a:cs typeface="Times New Roman"/>
                         </a:rPr>
                         <a:t>Малый и средний бизнес</a:t>
                       </a:r>
-                      <a:endParaRPr sz="1600">
+                      <a:endParaRPr sz="1600" dirty="0">
                         <a:solidFill>
                           <a:schemeClr val="tx1"/>
                         </a:solidFill>
@@ -8891,12 +9200,12 @@
         <p:spPr bwMode="auto">
           <a:xfrm>
             <a:off x="836984" y="260648"/>
-            <a:ext cx="10515600" cy="504056"/>
+            <a:ext cx="10515600" cy="576064"/>
           </a:xfrm>
         </p:spPr>
         <p:txBody>
           <a:bodyPr>
-            <a:normAutofit fontScale="90000"/>
+            <a:normAutofit/>
           </a:bodyPr>
           <a:lstStyle/>
           <a:p>
@@ -8909,19 +9218,6 @@
                 <a:cs typeface="Times New Roman"/>
               </a:rPr>
               <a:t>Проектирование базы данных</a:t>
-            </a:r>
-            <a:br>
-              <a:rPr lang="ru-RU" sz="2800" b="1" dirty="0">
-                <a:latin typeface="Times New Roman"/>
-                <a:cs typeface="Times New Roman"/>
-              </a:rPr>
-            </a:br>
-            <a:r>
-              <a:rPr lang="ru-RU" sz="2800" b="1" dirty="0">
-                <a:latin typeface="Times New Roman"/>
-                <a:cs typeface="Times New Roman"/>
-              </a:rPr>
-              <a:t>(указать связи 1:1, 1:М)</a:t>
             </a:r>
             <a:endParaRPr lang="ru-RU" sz="2800" dirty="0"/>
           </a:p>
@@ -9118,8 +9414,8 @@
         </p:nvSpPr>
         <p:spPr bwMode="auto">
           <a:xfrm>
-            <a:off x="836983" y="312188"/>
-            <a:ext cx="10515600" cy="648072"/>
+            <a:off x="836983" y="260648"/>
+            <a:ext cx="10515600" cy="504057"/>
           </a:xfrm>
         </p:spPr>
         <p:txBody>
@@ -9342,7 +9638,7 @@
         <p:spPr bwMode="auto">
           <a:xfrm>
             <a:off x="838200" y="260649"/>
-            <a:ext cx="10515600" cy="648071"/>
+            <a:ext cx="10515600" cy="530161"/>
           </a:xfrm>
         </p:spPr>
         <p:txBody>
@@ -9564,8 +9860,8 @@
         </p:nvSpPr>
         <p:spPr bwMode="auto">
           <a:xfrm>
-            <a:off x="838200" y="365125"/>
-            <a:ext cx="10515600" cy="615603"/>
+            <a:off x="838200" y="238461"/>
+            <a:ext cx="10515600" cy="598251"/>
           </a:xfrm>
         </p:spPr>
         <p:txBody>
